--- a/Raport Projekti.pptx
+++ b/Raport Projekti.pptx
@@ -2,15 +2,18 @@
 <file path=ppt/presentation.xml><?xml version="1.0" encoding="utf-8"?>
 <p:presentation xmlns:a="http://schemas.openxmlformats.org/drawingml/2006/main" xmlns:r="http://schemas.openxmlformats.org/officeDocument/2006/relationships" xmlns:p="http://schemas.openxmlformats.org/presentationml/2006/main" saveSubsetFonts="1">
   <p:sldMasterIdLst>
-    <p:sldMasterId id="2147483648" r:id="rId1"/>
+    <p:sldMasterId id="2147483672" r:id="rId1"/>
   </p:sldMasterIdLst>
   <p:sldIdLst>
     <p:sldId id="256" r:id="rId2"/>
     <p:sldId id="257" r:id="rId3"/>
     <p:sldId id="258" r:id="rId4"/>
     <p:sldId id="260" r:id="rId5"/>
-    <p:sldId id="261" r:id="rId6"/>
-    <p:sldId id="259" r:id="rId7"/>
+    <p:sldId id="262" r:id="rId6"/>
+    <p:sldId id="261" r:id="rId7"/>
+    <p:sldId id="259" r:id="rId8"/>
+    <p:sldId id="265" r:id="rId9"/>
+    <p:sldId id="266" r:id="rId10"/>
   </p:sldIdLst>
   <p:sldSz cx="12192000" cy="6858000"/>
   <p:notesSz cx="6858000" cy="9144000"/>
@@ -139,7 +142,7 @@
           <p:cNvPr id="2" name="Title 1">
             <a:extLst>
               <a:ext uri="{FF2B5EF4-FFF2-40B4-BE49-F238E27FC236}">
-                <a16:creationId xmlns:a16="http://schemas.microsoft.com/office/drawing/2014/main" id="{7A7C8934-962C-4EF1-8E00-39321376AC3A}"/>
+                <a16:creationId xmlns:a16="http://schemas.microsoft.com/office/drawing/2014/main" id="{81B8A5C4-FA66-4520-95C8-45BADD7C357A}"/>
               </a:ext>
             </a:extLst>
           </p:cNvPr>
@@ -176,7 +179,7 @@
           <p:cNvPr id="3" name="Subtitle 2">
             <a:extLst>
               <a:ext uri="{FF2B5EF4-FFF2-40B4-BE49-F238E27FC236}">
-                <a16:creationId xmlns:a16="http://schemas.microsoft.com/office/drawing/2014/main" id="{50026055-7121-45DA-B3CB-5BB7E54E0133}"/>
+                <a16:creationId xmlns:a16="http://schemas.microsoft.com/office/drawing/2014/main" id="{36BBD562-E1D2-4988-A007-947F391A6489}"/>
               </a:ext>
             </a:extLst>
           </p:cNvPr>
@@ -246,7 +249,7 @@
           <p:cNvPr id="4" name="Date Placeholder 3">
             <a:extLst>
               <a:ext uri="{FF2B5EF4-FFF2-40B4-BE49-F238E27FC236}">
-                <a16:creationId xmlns:a16="http://schemas.microsoft.com/office/drawing/2014/main" id="{999946E7-ACE1-48F8-9807-D748BD087737}"/>
+                <a16:creationId xmlns:a16="http://schemas.microsoft.com/office/drawing/2014/main" id="{FE7949D7-1BB7-471C-8688-0F10E1639471}"/>
               </a:ext>
             </a:extLst>
           </p:cNvPr>
@@ -275,7 +278,7 @@
           <p:cNvPr id="5" name="Footer Placeholder 4">
             <a:extLst>
               <a:ext uri="{FF2B5EF4-FFF2-40B4-BE49-F238E27FC236}">
-                <a16:creationId xmlns:a16="http://schemas.microsoft.com/office/drawing/2014/main" id="{ABF73BB7-4EBF-45FE-B99A-1CA0E48FE28C}"/>
+                <a16:creationId xmlns:a16="http://schemas.microsoft.com/office/drawing/2014/main" id="{A8A0D40B-984E-40F6-9A6E-F36B710A4B97}"/>
               </a:ext>
             </a:extLst>
           </p:cNvPr>
@@ -300,7 +303,7 @@
           <p:cNvPr id="6" name="Slide Number Placeholder 5">
             <a:extLst>
               <a:ext uri="{FF2B5EF4-FFF2-40B4-BE49-F238E27FC236}">
-                <a16:creationId xmlns:a16="http://schemas.microsoft.com/office/drawing/2014/main" id="{708ED327-047C-4EC6-978D-CB1A19DB3FD4}"/>
+                <a16:creationId xmlns:a16="http://schemas.microsoft.com/office/drawing/2014/main" id="{30F47D8E-2497-46DC-93B0-D18107E15B90}"/>
               </a:ext>
             </a:extLst>
           </p:cNvPr>
@@ -327,7 +330,7 @@
     </p:spTree>
     <p:extLst>
       <p:ext uri="{BB962C8B-B14F-4D97-AF65-F5344CB8AC3E}">
-        <p14:creationId xmlns:p14="http://schemas.microsoft.com/office/powerpoint/2010/main" val="296245268"/>
+        <p14:creationId xmlns:p14="http://schemas.microsoft.com/office/powerpoint/2010/main" val="3765779612"/>
       </p:ext>
     </p:extLst>
   </p:cSld>
@@ -359,7 +362,7 @@
           <p:cNvPr id="2" name="Title 1">
             <a:extLst>
               <a:ext uri="{FF2B5EF4-FFF2-40B4-BE49-F238E27FC236}">
-                <a16:creationId xmlns:a16="http://schemas.microsoft.com/office/drawing/2014/main" id="{A261761D-D900-44BB-99BF-8F68A5E61E4A}"/>
+                <a16:creationId xmlns:a16="http://schemas.microsoft.com/office/drawing/2014/main" id="{A8896E40-3394-4629-914F-C771A8C8EF80}"/>
               </a:ext>
             </a:extLst>
           </p:cNvPr>
@@ -387,7 +390,7 @@
           <p:cNvPr id="3" name="Vertical Text Placeholder 2">
             <a:extLst>
               <a:ext uri="{FF2B5EF4-FFF2-40B4-BE49-F238E27FC236}">
-                <a16:creationId xmlns:a16="http://schemas.microsoft.com/office/drawing/2014/main" id="{AA5A8305-F8F5-4EF7-8F35-0F7750CDD3FA}"/>
+                <a16:creationId xmlns:a16="http://schemas.microsoft.com/office/drawing/2014/main" id="{D780D9BE-4849-4060-9E07-CFB6E2FB3CD4}"/>
               </a:ext>
             </a:extLst>
           </p:cNvPr>
@@ -444,7 +447,7 @@
           <p:cNvPr id="4" name="Date Placeholder 3">
             <a:extLst>
               <a:ext uri="{FF2B5EF4-FFF2-40B4-BE49-F238E27FC236}">
-                <a16:creationId xmlns:a16="http://schemas.microsoft.com/office/drawing/2014/main" id="{737434DE-A38B-459B-84F9-C71AD986BE53}"/>
+                <a16:creationId xmlns:a16="http://schemas.microsoft.com/office/drawing/2014/main" id="{6174899C-02FF-48EA-A903-27664B966333}"/>
               </a:ext>
             </a:extLst>
           </p:cNvPr>
@@ -473,7 +476,7 @@
           <p:cNvPr id="5" name="Footer Placeholder 4">
             <a:extLst>
               <a:ext uri="{FF2B5EF4-FFF2-40B4-BE49-F238E27FC236}">
-                <a16:creationId xmlns:a16="http://schemas.microsoft.com/office/drawing/2014/main" id="{626E92AC-32D4-4227-99B4-EF85AC1623DC}"/>
+                <a16:creationId xmlns:a16="http://schemas.microsoft.com/office/drawing/2014/main" id="{E3284247-608F-4AA2-BE23-83C4CD03DC95}"/>
               </a:ext>
             </a:extLst>
           </p:cNvPr>
@@ -498,7 +501,7 @@
           <p:cNvPr id="6" name="Slide Number Placeholder 5">
             <a:extLst>
               <a:ext uri="{FF2B5EF4-FFF2-40B4-BE49-F238E27FC236}">
-                <a16:creationId xmlns:a16="http://schemas.microsoft.com/office/drawing/2014/main" id="{1AEC2975-E94F-4E39-BA5B-551F23665C85}"/>
+                <a16:creationId xmlns:a16="http://schemas.microsoft.com/office/drawing/2014/main" id="{5F17AA9E-E129-4A8F-863E-05D8789E4BAE}"/>
               </a:ext>
             </a:extLst>
           </p:cNvPr>
@@ -525,7 +528,7 @@
     </p:spTree>
     <p:extLst>
       <p:ext uri="{BB962C8B-B14F-4D97-AF65-F5344CB8AC3E}">
-        <p14:creationId xmlns:p14="http://schemas.microsoft.com/office/powerpoint/2010/main" val="4172837251"/>
+        <p14:creationId xmlns:p14="http://schemas.microsoft.com/office/powerpoint/2010/main" val="426806834"/>
       </p:ext>
     </p:extLst>
   </p:cSld>
@@ -557,7 +560,7 @@
           <p:cNvPr id="2" name="Vertical Title 1">
             <a:extLst>
               <a:ext uri="{FF2B5EF4-FFF2-40B4-BE49-F238E27FC236}">
-                <a16:creationId xmlns:a16="http://schemas.microsoft.com/office/drawing/2014/main" id="{A9FCBFB0-F32D-4E94-97AC-662FC844B3F3}"/>
+                <a16:creationId xmlns:a16="http://schemas.microsoft.com/office/drawing/2014/main" id="{F571050C-1FC4-4505-A40A-08158ADB48A4}"/>
               </a:ext>
             </a:extLst>
           </p:cNvPr>
@@ -590,7 +593,7 @@
           <p:cNvPr id="3" name="Vertical Text Placeholder 2">
             <a:extLst>
               <a:ext uri="{FF2B5EF4-FFF2-40B4-BE49-F238E27FC236}">
-                <a16:creationId xmlns:a16="http://schemas.microsoft.com/office/drawing/2014/main" id="{2A9B4CEB-4703-4881-B7AB-460F813D3FB1}"/>
+                <a16:creationId xmlns:a16="http://schemas.microsoft.com/office/drawing/2014/main" id="{EC3BB8FB-A7F4-44EF-82C5-4804F96493A2}"/>
               </a:ext>
             </a:extLst>
           </p:cNvPr>
@@ -652,7 +655,7 @@
           <p:cNvPr id="4" name="Date Placeholder 3">
             <a:extLst>
               <a:ext uri="{FF2B5EF4-FFF2-40B4-BE49-F238E27FC236}">
-                <a16:creationId xmlns:a16="http://schemas.microsoft.com/office/drawing/2014/main" id="{55EC8076-8003-46AC-8B07-86DE47BBBFCC}"/>
+                <a16:creationId xmlns:a16="http://schemas.microsoft.com/office/drawing/2014/main" id="{CAE8A6C2-33A1-47A5-B7A0-3D5433AFF18D}"/>
               </a:ext>
             </a:extLst>
           </p:cNvPr>
@@ -681,7 +684,7 @@
           <p:cNvPr id="5" name="Footer Placeholder 4">
             <a:extLst>
               <a:ext uri="{FF2B5EF4-FFF2-40B4-BE49-F238E27FC236}">
-                <a16:creationId xmlns:a16="http://schemas.microsoft.com/office/drawing/2014/main" id="{EB5040CD-8274-4516-B229-F713A785A062}"/>
+                <a16:creationId xmlns:a16="http://schemas.microsoft.com/office/drawing/2014/main" id="{E6F7111D-CF03-42D4-A6E7-92D150F34158}"/>
               </a:ext>
             </a:extLst>
           </p:cNvPr>
@@ -706,7 +709,7 @@
           <p:cNvPr id="6" name="Slide Number Placeholder 5">
             <a:extLst>
               <a:ext uri="{FF2B5EF4-FFF2-40B4-BE49-F238E27FC236}">
-                <a16:creationId xmlns:a16="http://schemas.microsoft.com/office/drawing/2014/main" id="{0F3AB5DD-CD4E-427F-BFEC-5DF9181EF72C}"/>
+                <a16:creationId xmlns:a16="http://schemas.microsoft.com/office/drawing/2014/main" id="{BF318E5F-CE44-4F09-9D67-EB1F78DAEB04}"/>
               </a:ext>
             </a:extLst>
           </p:cNvPr>
@@ -733,7 +736,7 @@
     </p:spTree>
     <p:extLst>
       <p:ext uri="{BB962C8B-B14F-4D97-AF65-F5344CB8AC3E}">
-        <p14:creationId xmlns:p14="http://schemas.microsoft.com/office/powerpoint/2010/main" val="2603944907"/>
+        <p14:creationId xmlns:p14="http://schemas.microsoft.com/office/powerpoint/2010/main" val="3697901532"/>
       </p:ext>
     </p:extLst>
   </p:cSld>
@@ -765,7 +768,7 @@
           <p:cNvPr id="2" name="Title 1">
             <a:extLst>
               <a:ext uri="{FF2B5EF4-FFF2-40B4-BE49-F238E27FC236}">
-                <a16:creationId xmlns:a16="http://schemas.microsoft.com/office/drawing/2014/main" id="{596DEE00-FD0E-4C32-BC9C-46C29DCB8F24}"/>
+                <a16:creationId xmlns:a16="http://schemas.microsoft.com/office/drawing/2014/main" id="{CC01F201-1722-4C48-923B-2A0CB3A8A2FA}"/>
               </a:ext>
             </a:extLst>
           </p:cNvPr>
@@ -793,7 +796,7 @@
           <p:cNvPr id="3" name="Content Placeholder 2">
             <a:extLst>
               <a:ext uri="{FF2B5EF4-FFF2-40B4-BE49-F238E27FC236}">
-                <a16:creationId xmlns:a16="http://schemas.microsoft.com/office/drawing/2014/main" id="{F6BAABB8-85C5-4CFE-A634-091F90DD9153}"/>
+                <a16:creationId xmlns:a16="http://schemas.microsoft.com/office/drawing/2014/main" id="{382B6B3B-9CB6-4750-B0CA-03A65E0C4DD9}"/>
               </a:ext>
             </a:extLst>
           </p:cNvPr>
@@ -850,7 +853,7 @@
           <p:cNvPr id="4" name="Date Placeholder 3">
             <a:extLst>
               <a:ext uri="{FF2B5EF4-FFF2-40B4-BE49-F238E27FC236}">
-                <a16:creationId xmlns:a16="http://schemas.microsoft.com/office/drawing/2014/main" id="{E5B4A707-0122-4277-ACD0-87526E6EB243}"/>
+                <a16:creationId xmlns:a16="http://schemas.microsoft.com/office/drawing/2014/main" id="{411057CC-39EF-4407-88EE-E4A8FD3A4D1F}"/>
               </a:ext>
             </a:extLst>
           </p:cNvPr>
@@ -879,7 +882,7 @@
           <p:cNvPr id="5" name="Footer Placeholder 4">
             <a:extLst>
               <a:ext uri="{FF2B5EF4-FFF2-40B4-BE49-F238E27FC236}">
-                <a16:creationId xmlns:a16="http://schemas.microsoft.com/office/drawing/2014/main" id="{2018EBBB-5779-4104-899B-06AA89287CFD}"/>
+                <a16:creationId xmlns:a16="http://schemas.microsoft.com/office/drawing/2014/main" id="{C68FA39D-A8CC-477E-AC64-422C10741805}"/>
               </a:ext>
             </a:extLst>
           </p:cNvPr>
@@ -904,7 +907,7 @@
           <p:cNvPr id="6" name="Slide Number Placeholder 5">
             <a:extLst>
               <a:ext uri="{FF2B5EF4-FFF2-40B4-BE49-F238E27FC236}">
-                <a16:creationId xmlns:a16="http://schemas.microsoft.com/office/drawing/2014/main" id="{448A4D90-520D-44F4-BC4C-F0A282C1B427}"/>
+                <a16:creationId xmlns:a16="http://schemas.microsoft.com/office/drawing/2014/main" id="{AE7257F1-3FE4-4A70-8CDD-D00F20E5D149}"/>
               </a:ext>
             </a:extLst>
           </p:cNvPr>
@@ -931,7 +934,7 @@
     </p:spTree>
     <p:extLst>
       <p:ext uri="{BB962C8B-B14F-4D97-AF65-F5344CB8AC3E}">
-        <p14:creationId xmlns:p14="http://schemas.microsoft.com/office/powerpoint/2010/main" val="1586770243"/>
+        <p14:creationId xmlns:p14="http://schemas.microsoft.com/office/powerpoint/2010/main" val="3952250078"/>
       </p:ext>
     </p:extLst>
   </p:cSld>
@@ -963,7 +966,7 @@
           <p:cNvPr id="2" name="Title 1">
             <a:extLst>
               <a:ext uri="{FF2B5EF4-FFF2-40B4-BE49-F238E27FC236}">
-                <a16:creationId xmlns:a16="http://schemas.microsoft.com/office/drawing/2014/main" id="{1325DCF6-6794-4141-BE4F-B32FAAF13EE1}"/>
+                <a16:creationId xmlns:a16="http://schemas.microsoft.com/office/drawing/2014/main" id="{6792B8F0-6500-44DA-B16A-9B0B497120DB}"/>
               </a:ext>
             </a:extLst>
           </p:cNvPr>
@@ -1000,7 +1003,7 @@
           <p:cNvPr id="3" name="Text Placeholder 2">
             <a:extLst>
               <a:ext uri="{FF2B5EF4-FFF2-40B4-BE49-F238E27FC236}">
-                <a16:creationId xmlns:a16="http://schemas.microsoft.com/office/drawing/2014/main" id="{81550A85-B5BA-4F15-B417-404827AAA7AF}"/>
+                <a16:creationId xmlns:a16="http://schemas.microsoft.com/office/drawing/2014/main" id="{63E85A1E-0215-43E8-9D42-130091B4513E}"/>
               </a:ext>
             </a:extLst>
           </p:cNvPr>
@@ -1125,7 +1128,7 @@
           <p:cNvPr id="4" name="Date Placeholder 3">
             <a:extLst>
               <a:ext uri="{FF2B5EF4-FFF2-40B4-BE49-F238E27FC236}">
-                <a16:creationId xmlns:a16="http://schemas.microsoft.com/office/drawing/2014/main" id="{E9931611-FE4D-4DD9-9F17-B7598699FABC}"/>
+                <a16:creationId xmlns:a16="http://schemas.microsoft.com/office/drawing/2014/main" id="{CB925CA5-4C88-44DD-B4C0-6A24C74B2998}"/>
               </a:ext>
             </a:extLst>
           </p:cNvPr>
@@ -1154,7 +1157,7 @@
           <p:cNvPr id="5" name="Footer Placeholder 4">
             <a:extLst>
               <a:ext uri="{FF2B5EF4-FFF2-40B4-BE49-F238E27FC236}">
-                <a16:creationId xmlns:a16="http://schemas.microsoft.com/office/drawing/2014/main" id="{6E232161-4B14-4E8F-B132-55687EBE2927}"/>
+                <a16:creationId xmlns:a16="http://schemas.microsoft.com/office/drawing/2014/main" id="{52EEB076-BFFF-43F4-BCDD-72F4BB558209}"/>
               </a:ext>
             </a:extLst>
           </p:cNvPr>
@@ -1179,7 +1182,7 @@
           <p:cNvPr id="6" name="Slide Number Placeholder 5">
             <a:extLst>
               <a:ext uri="{FF2B5EF4-FFF2-40B4-BE49-F238E27FC236}">
-                <a16:creationId xmlns:a16="http://schemas.microsoft.com/office/drawing/2014/main" id="{FB30A6A9-31E3-46C3-8581-BC155C75CC0C}"/>
+                <a16:creationId xmlns:a16="http://schemas.microsoft.com/office/drawing/2014/main" id="{8E39119B-9C6E-4122-939D-30E6668F74BB}"/>
               </a:ext>
             </a:extLst>
           </p:cNvPr>
@@ -1206,7 +1209,7 @@
     </p:spTree>
     <p:extLst>
       <p:ext uri="{BB962C8B-B14F-4D97-AF65-F5344CB8AC3E}">
-        <p14:creationId xmlns:p14="http://schemas.microsoft.com/office/powerpoint/2010/main" val="2741864562"/>
+        <p14:creationId xmlns:p14="http://schemas.microsoft.com/office/powerpoint/2010/main" val="3587030921"/>
       </p:ext>
     </p:extLst>
   </p:cSld>
@@ -1238,7 +1241,7 @@
           <p:cNvPr id="2" name="Title 1">
             <a:extLst>
               <a:ext uri="{FF2B5EF4-FFF2-40B4-BE49-F238E27FC236}">
-                <a16:creationId xmlns:a16="http://schemas.microsoft.com/office/drawing/2014/main" id="{571B86F8-9AA6-43E7-8A39-E34776838DC2}"/>
+                <a16:creationId xmlns:a16="http://schemas.microsoft.com/office/drawing/2014/main" id="{90F562AD-6663-47B0-8619-7C3835875995}"/>
               </a:ext>
             </a:extLst>
           </p:cNvPr>
@@ -1266,7 +1269,7 @@
           <p:cNvPr id="3" name="Content Placeholder 2">
             <a:extLst>
               <a:ext uri="{FF2B5EF4-FFF2-40B4-BE49-F238E27FC236}">
-                <a16:creationId xmlns:a16="http://schemas.microsoft.com/office/drawing/2014/main" id="{56695932-D7EB-4EFE-AF0F-5892B401CF37}"/>
+                <a16:creationId xmlns:a16="http://schemas.microsoft.com/office/drawing/2014/main" id="{A638804C-9E9C-4080-9EF2-C31BA51E3D7C}"/>
               </a:ext>
             </a:extLst>
           </p:cNvPr>
@@ -1328,7 +1331,7 @@
           <p:cNvPr id="4" name="Content Placeholder 3">
             <a:extLst>
               <a:ext uri="{FF2B5EF4-FFF2-40B4-BE49-F238E27FC236}">
-                <a16:creationId xmlns:a16="http://schemas.microsoft.com/office/drawing/2014/main" id="{F1D0F017-0239-4D45-A41A-F54A186D5FFE}"/>
+                <a16:creationId xmlns:a16="http://schemas.microsoft.com/office/drawing/2014/main" id="{CEFCF958-0F37-4227-B4C2-D676376AF69B}"/>
               </a:ext>
             </a:extLst>
           </p:cNvPr>
@@ -1390,7 +1393,7 @@
           <p:cNvPr id="5" name="Date Placeholder 4">
             <a:extLst>
               <a:ext uri="{FF2B5EF4-FFF2-40B4-BE49-F238E27FC236}">
-                <a16:creationId xmlns:a16="http://schemas.microsoft.com/office/drawing/2014/main" id="{4101D121-AA0D-473A-B623-3352B1A35EEB}"/>
+                <a16:creationId xmlns:a16="http://schemas.microsoft.com/office/drawing/2014/main" id="{3C4FBB47-D1C7-4584-B193-22F488904912}"/>
               </a:ext>
             </a:extLst>
           </p:cNvPr>
@@ -1419,7 +1422,7 @@
           <p:cNvPr id="6" name="Footer Placeholder 5">
             <a:extLst>
               <a:ext uri="{FF2B5EF4-FFF2-40B4-BE49-F238E27FC236}">
-                <a16:creationId xmlns:a16="http://schemas.microsoft.com/office/drawing/2014/main" id="{A59E17B1-4461-4792-8825-DB3811852E6C}"/>
+                <a16:creationId xmlns:a16="http://schemas.microsoft.com/office/drawing/2014/main" id="{B9A965A9-994F-44C2-AFF7-683845A4DE5E}"/>
               </a:ext>
             </a:extLst>
           </p:cNvPr>
@@ -1444,7 +1447,7 @@
           <p:cNvPr id="7" name="Slide Number Placeholder 6">
             <a:extLst>
               <a:ext uri="{FF2B5EF4-FFF2-40B4-BE49-F238E27FC236}">
-                <a16:creationId xmlns:a16="http://schemas.microsoft.com/office/drawing/2014/main" id="{57C83BD1-D3D7-41C8-BEAB-757908156A56}"/>
+                <a16:creationId xmlns:a16="http://schemas.microsoft.com/office/drawing/2014/main" id="{F45046F4-3E6B-47C5-B4FF-69FD17094BED}"/>
               </a:ext>
             </a:extLst>
           </p:cNvPr>
@@ -1471,7 +1474,7 @@
     </p:spTree>
     <p:extLst>
       <p:ext uri="{BB962C8B-B14F-4D97-AF65-F5344CB8AC3E}">
-        <p14:creationId xmlns:p14="http://schemas.microsoft.com/office/powerpoint/2010/main" val="981702040"/>
+        <p14:creationId xmlns:p14="http://schemas.microsoft.com/office/powerpoint/2010/main" val="2666363968"/>
       </p:ext>
     </p:extLst>
   </p:cSld>
@@ -1503,7 +1506,7 @@
           <p:cNvPr id="2" name="Title 1">
             <a:extLst>
               <a:ext uri="{FF2B5EF4-FFF2-40B4-BE49-F238E27FC236}">
-                <a16:creationId xmlns:a16="http://schemas.microsoft.com/office/drawing/2014/main" id="{F593AE15-7CC7-4BD5-8653-7D22377BD6C2}"/>
+                <a16:creationId xmlns:a16="http://schemas.microsoft.com/office/drawing/2014/main" id="{0EA06C08-AF38-4E59-9C11-D5270AC718E2}"/>
               </a:ext>
             </a:extLst>
           </p:cNvPr>
@@ -1536,7 +1539,7 @@
           <p:cNvPr id="3" name="Text Placeholder 2">
             <a:extLst>
               <a:ext uri="{FF2B5EF4-FFF2-40B4-BE49-F238E27FC236}">
-                <a16:creationId xmlns:a16="http://schemas.microsoft.com/office/drawing/2014/main" id="{3B5370E9-202C-44FA-8442-9640E31CA3AD}"/>
+                <a16:creationId xmlns:a16="http://schemas.microsoft.com/office/drawing/2014/main" id="{ACC2EA91-6540-456D-9469-9866DD3D554A}"/>
               </a:ext>
             </a:extLst>
           </p:cNvPr>
@@ -1607,7 +1610,7 @@
           <p:cNvPr id="4" name="Content Placeholder 3">
             <a:extLst>
               <a:ext uri="{FF2B5EF4-FFF2-40B4-BE49-F238E27FC236}">
-                <a16:creationId xmlns:a16="http://schemas.microsoft.com/office/drawing/2014/main" id="{5B5C3DE7-7331-4D6B-B69F-B7CDACAA9500}"/>
+                <a16:creationId xmlns:a16="http://schemas.microsoft.com/office/drawing/2014/main" id="{2E07499A-8B3F-4258-A946-73D923046ABC}"/>
               </a:ext>
             </a:extLst>
           </p:cNvPr>
@@ -1669,7 +1672,7 @@
           <p:cNvPr id="5" name="Text Placeholder 4">
             <a:extLst>
               <a:ext uri="{FF2B5EF4-FFF2-40B4-BE49-F238E27FC236}">
-                <a16:creationId xmlns:a16="http://schemas.microsoft.com/office/drawing/2014/main" id="{1DD839DB-95E7-4CAC-A237-F3D1799AE8A0}"/>
+                <a16:creationId xmlns:a16="http://schemas.microsoft.com/office/drawing/2014/main" id="{71283B16-F503-4A63-ADBB-0F480BFF30F8}"/>
               </a:ext>
             </a:extLst>
           </p:cNvPr>
@@ -1740,7 +1743,7 @@
           <p:cNvPr id="6" name="Content Placeholder 5">
             <a:extLst>
               <a:ext uri="{FF2B5EF4-FFF2-40B4-BE49-F238E27FC236}">
-                <a16:creationId xmlns:a16="http://schemas.microsoft.com/office/drawing/2014/main" id="{DA812916-092D-42CE-9AD9-18DCDA23A28C}"/>
+                <a16:creationId xmlns:a16="http://schemas.microsoft.com/office/drawing/2014/main" id="{D0055E96-B292-4466-BAE5-D3BAEF64C7CD}"/>
               </a:ext>
             </a:extLst>
           </p:cNvPr>
@@ -1802,7 +1805,7 @@
           <p:cNvPr id="7" name="Date Placeholder 6">
             <a:extLst>
               <a:ext uri="{FF2B5EF4-FFF2-40B4-BE49-F238E27FC236}">
-                <a16:creationId xmlns:a16="http://schemas.microsoft.com/office/drawing/2014/main" id="{CDEC2C3C-E5A9-43B2-A170-FBEF6CF41FC3}"/>
+                <a16:creationId xmlns:a16="http://schemas.microsoft.com/office/drawing/2014/main" id="{4A22BC63-847E-4857-BB99-BBF732CB1376}"/>
               </a:ext>
             </a:extLst>
           </p:cNvPr>
@@ -1831,7 +1834,7 @@
           <p:cNvPr id="8" name="Footer Placeholder 7">
             <a:extLst>
               <a:ext uri="{FF2B5EF4-FFF2-40B4-BE49-F238E27FC236}">
-                <a16:creationId xmlns:a16="http://schemas.microsoft.com/office/drawing/2014/main" id="{B2FE89FD-313A-43B6-8C78-E2CF2DAF9093}"/>
+                <a16:creationId xmlns:a16="http://schemas.microsoft.com/office/drawing/2014/main" id="{D76712C0-1AE1-44D0-9BA2-3273EA166F92}"/>
               </a:ext>
             </a:extLst>
           </p:cNvPr>
@@ -1856,7 +1859,7 @@
           <p:cNvPr id="9" name="Slide Number Placeholder 8">
             <a:extLst>
               <a:ext uri="{FF2B5EF4-FFF2-40B4-BE49-F238E27FC236}">
-                <a16:creationId xmlns:a16="http://schemas.microsoft.com/office/drawing/2014/main" id="{4FD79E74-87BD-427F-86F2-77DA502E8143}"/>
+                <a16:creationId xmlns:a16="http://schemas.microsoft.com/office/drawing/2014/main" id="{98DA843C-E07A-471D-8C31-71D410EF2859}"/>
               </a:ext>
             </a:extLst>
           </p:cNvPr>
@@ -1883,7 +1886,7 @@
     </p:spTree>
     <p:extLst>
       <p:ext uri="{BB962C8B-B14F-4D97-AF65-F5344CB8AC3E}">
-        <p14:creationId xmlns:p14="http://schemas.microsoft.com/office/powerpoint/2010/main" val="2959076655"/>
+        <p14:creationId xmlns:p14="http://schemas.microsoft.com/office/powerpoint/2010/main" val="2391576225"/>
       </p:ext>
     </p:extLst>
   </p:cSld>
@@ -1915,7 +1918,7 @@
           <p:cNvPr id="2" name="Title 1">
             <a:extLst>
               <a:ext uri="{FF2B5EF4-FFF2-40B4-BE49-F238E27FC236}">
-                <a16:creationId xmlns:a16="http://schemas.microsoft.com/office/drawing/2014/main" id="{2F892AC9-4F62-4EDE-8189-5270F24E310A}"/>
+                <a16:creationId xmlns:a16="http://schemas.microsoft.com/office/drawing/2014/main" id="{C8AAB84C-2029-4079-A1A2-1768CAA4F042}"/>
               </a:ext>
             </a:extLst>
           </p:cNvPr>
@@ -1943,7 +1946,7 @@
           <p:cNvPr id="3" name="Date Placeholder 2">
             <a:extLst>
               <a:ext uri="{FF2B5EF4-FFF2-40B4-BE49-F238E27FC236}">
-                <a16:creationId xmlns:a16="http://schemas.microsoft.com/office/drawing/2014/main" id="{EC1E2CBD-15B0-42A7-BE9A-7C5378E2F535}"/>
+                <a16:creationId xmlns:a16="http://schemas.microsoft.com/office/drawing/2014/main" id="{6F29F5EC-171E-4F0A-8086-DEE19FA742F8}"/>
               </a:ext>
             </a:extLst>
           </p:cNvPr>
@@ -1972,7 +1975,7 @@
           <p:cNvPr id="4" name="Footer Placeholder 3">
             <a:extLst>
               <a:ext uri="{FF2B5EF4-FFF2-40B4-BE49-F238E27FC236}">
-                <a16:creationId xmlns:a16="http://schemas.microsoft.com/office/drawing/2014/main" id="{EF96EA27-BA39-4EAB-9449-393275DF7B5E}"/>
+                <a16:creationId xmlns:a16="http://schemas.microsoft.com/office/drawing/2014/main" id="{5723F7F7-1CF9-49B0-A0A4-9334F12E741D}"/>
               </a:ext>
             </a:extLst>
           </p:cNvPr>
@@ -1997,7 +2000,7 @@
           <p:cNvPr id="5" name="Slide Number Placeholder 4">
             <a:extLst>
               <a:ext uri="{FF2B5EF4-FFF2-40B4-BE49-F238E27FC236}">
-                <a16:creationId xmlns:a16="http://schemas.microsoft.com/office/drawing/2014/main" id="{46B47A5C-67C2-4801-89D9-94AFF854E614}"/>
+                <a16:creationId xmlns:a16="http://schemas.microsoft.com/office/drawing/2014/main" id="{548A827C-8B4C-41E1-AB4F-BED55BFA9945}"/>
               </a:ext>
             </a:extLst>
           </p:cNvPr>
@@ -2024,7 +2027,7 @@
     </p:spTree>
     <p:extLst>
       <p:ext uri="{BB962C8B-B14F-4D97-AF65-F5344CB8AC3E}">
-        <p14:creationId xmlns:p14="http://schemas.microsoft.com/office/powerpoint/2010/main" val="401434305"/>
+        <p14:creationId xmlns:p14="http://schemas.microsoft.com/office/powerpoint/2010/main" val="3673464873"/>
       </p:ext>
     </p:extLst>
   </p:cSld>
@@ -2056,7 +2059,7 @@
           <p:cNvPr id="2" name="Date Placeholder 1">
             <a:extLst>
               <a:ext uri="{FF2B5EF4-FFF2-40B4-BE49-F238E27FC236}">
-                <a16:creationId xmlns:a16="http://schemas.microsoft.com/office/drawing/2014/main" id="{6E95FB8E-A1EC-4C4C-B126-AE329A178716}"/>
+                <a16:creationId xmlns:a16="http://schemas.microsoft.com/office/drawing/2014/main" id="{2B1D0016-2795-49C5-888F-C1CE7E2695EA}"/>
               </a:ext>
             </a:extLst>
           </p:cNvPr>
@@ -2085,7 +2088,7 @@
           <p:cNvPr id="3" name="Footer Placeholder 2">
             <a:extLst>
               <a:ext uri="{FF2B5EF4-FFF2-40B4-BE49-F238E27FC236}">
-                <a16:creationId xmlns:a16="http://schemas.microsoft.com/office/drawing/2014/main" id="{7D2E73D5-B5F8-4FE4-B948-33893CD17105}"/>
+                <a16:creationId xmlns:a16="http://schemas.microsoft.com/office/drawing/2014/main" id="{B4E5AB5A-A37A-42A4-9E98-65D36DE19EB5}"/>
               </a:ext>
             </a:extLst>
           </p:cNvPr>
@@ -2110,7 +2113,7 @@
           <p:cNvPr id="4" name="Slide Number Placeholder 3">
             <a:extLst>
               <a:ext uri="{FF2B5EF4-FFF2-40B4-BE49-F238E27FC236}">
-                <a16:creationId xmlns:a16="http://schemas.microsoft.com/office/drawing/2014/main" id="{B848D34C-9856-494C-9B3F-8F48B4AE6C1B}"/>
+                <a16:creationId xmlns:a16="http://schemas.microsoft.com/office/drawing/2014/main" id="{7B37B5BA-C7DC-48D2-BBEA-859039A4C826}"/>
               </a:ext>
             </a:extLst>
           </p:cNvPr>
@@ -2137,7 +2140,7 @@
     </p:spTree>
     <p:extLst>
       <p:ext uri="{BB962C8B-B14F-4D97-AF65-F5344CB8AC3E}">
-        <p14:creationId xmlns:p14="http://schemas.microsoft.com/office/powerpoint/2010/main" val="1232391565"/>
+        <p14:creationId xmlns:p14="http://schemas.microsoft.com/office/powerpoint/2010/main" val="2127042543"/>
       </p:ext>
     </p:extLst>
   </p:cSld>
@@ -2169,7 +2172,7 @@
           <p:cNvPr id="2" name="Title 1">
             <a:extLst>
               <a:ext uri="{FF2B5EF4-FFF2-40B4-BE49-F238E27FC236}">
-                <a16:creationId xmlns:a16="http://schemas.microsoft.com/office/drawing/2014/main" id="{1C21D1F3-F0A9-4CCB-9B8F-D38201E0DCA0}"/>
+                <a16:creationId xmlns:a16="http://schemas.microsoft.com/office/drawing/2014/main" id="{501B569C-39B3-4A82-8485-59272BFE47BC}"/>
               </a:ext>
             </a:extLst>
           </p:cNvPr>
@@ -2206,7 +2209,7 @@
           <p:cNvPr id="3" name="Content Placeholder 2">
             <a:extLst>
               <a:ext uri="{FF2B5EF4-FFF2-40B4-BE49-F238E27FC236}">
-                <a16:creationId xmlns:a16="http://schemas.microsoft.com/office/drawing/2014/main" id="{1D13E544-F914-454E-A499-CBC0E199BB48}"/>
+                <a16:creationId xmlns:a16="http://schemas.microsoft.com/office/drawing/2014/main" id="{05404EBB-E22C-4494-93CD-9FF195330418}"/>
               </a:ext>
             </a:extLst>
           </p:cNvPr>
@@ -2296,7 +2299,7 @@
           <p:cNvPr id="4" name="Text Placeholder 3">
             <a:extLst>
               <a:ext uri="{FF2B5EF4-FFF2-40B4-BE49-F238E27FC236}">
-                <a16:creationId xmlns:a16="http://schemas.microsoft.com/office/drawing/2014/main" id="{3ACE83DB-A53B-437E-BACF-3B4B5E8F05EB}"/>
+                <a16:creationId xmlns:a16="http://schemas.microsoft.com/office/drawing/2014/main" id="{40D14EFC-F7AE-4A09-8751-5FB21AE9144E}"/>
               </a:ext>
             </a:extLst>
           </p:cNvPr>
@@ -2367,7 +2370,7 @@
           <p:cNvPr id="5" name="Date Placeholder 4">
             <a:extLst>
               <a:ext uri="{FF2B5EF4-FFF2-40B4-BE49-F238E27FC236}">
-                <a16:creationId xmlns:a16="http://schemas.microsoft.com/office/drawing/2014/main" id="{DD6EFF0F-88A5-40B0-AD07-271432C92248}"/>
+                <a16:creationId xmlns:a16="http://schemas.microsoft.com/office/drawing/2014/main" id="{2A9F8574-3054-4A17-96AF-357009953682}"/>
               </a:ext>
             </a:extLst>
           </p:cNvPr>
@@ -2396,7 +2399,7 @@
           <p:cNvPr id="6" name="Footer Placeholder 5">
             <a:extLst>
               <a:ext uri="{FF2B5EF4-FFF2-40B4-BE49-F238E27FC236}">
-                <a16:creationId xmlns:a16="http://schemas.microsoft.com/office/drawing/2014/main" id="{4270813D-1959-4A3E-B95B-8723EC3260DA}"/>
+                <a16:creationId xmlns:a16="http://schemas.microsoft.com/office/drawing/2014/main" id="{64F436BF-2C07-4EDD-B473-9F4BFC216283}"/>
               </a:ext>
             </a:extLst>
           </p:cNvPr>
@@ -2421,7 +2424,7 @@
           <p:cNvPr id="7" name="Slide Number Placeholder 6">
             <a:extLst>
               <a:ext uri="{FF2B5EF4-FFF2-40B4-BE49-F238E27FC236}">
-                <a16:creationId xmlns:a16="http://schemas.microsoft.com/office/drawing/2014/main" id="{94AE8519-AC70-4DBD-BF73-0889AAE9D108}"/>
+                <a16:creationId xmlns:a16="http://schemas.microsoft.com/office/drawing/2014/main" id="{969E7A87-AF17-461A-B208-0F3089712AF7}"/>
               </a:ext>
             </a:extLst>
           </p:cNvPr>
@@ -2448,7 +2451,7 @@
     </p:spTree>
     <p:extLst>
       <p:ext uri="{BB962C8B-B14F-4D97-AF65-F5344CB8AC3E}">
-        <p14:creationId xmlns:p14="http://schemas.microsoft.com/office/powerpoint/2010/main" val="3969662947"/>
+        <p14:creationId xmlns:p14="http://schemas.microsoft.com/office/powerpoint/2010/main" val="2575256043"/>
       </p:ext>
     </p:extLst>
   </p:cSld>
@@ -2480,7 +2483,7 @@
           <p:cNvPr id="2" name="Title 1">
             <a:extLst>
               <a:ext uri="{FF2B5EF4-FFF2-40B4-BE49-F238E27FC236}">
-                <a16:creationId xmlns:a16="http://schemas.microsoft.com/office/drawing/2014/main" id="{1CD1F27E-70F7-44FD-82CB-1F00963CEB15}"/>
+                <a16:creationId xmlns:a16="http://schemas.microsoft.com/office/drawing/2014/main" id="{E07FEEBB-6341-472D-80BC-A8CE0484E914}"/>
               </a:ext>
             </a:extLst>
           </p:cNvPr>
@@ -2517,7 +2520,7 @@
           <p:cNvPr id="3" name="Picture Placeholder 2">
             <a:extLst>
               <a:ext uri="{FF2B5EF4-FFF2-40B4-BE49-F238E27FC236}">
-                <a16:creationId xmlns:a16="http://schemas.microsoft.com/office/drawing/2014/main" id="{0ACA4748-1DA5-4EE9-8386-46D4F823A9AA}"/>
+                <a16:creationId xmlns:a16="http://schemas.microsoft.com/office/drawing/2014/main" id="{2E805D20-A371-4FFD-862C-60706A58A24C}"/>
               </a:ext>
             </a:extLst>
           </p:cNvPr>
@@ -2584,7 +2587,7 @@
           <p:cNvPr id="4" name="Text Placeholder 3">
             <a:extLst>
               <a:ext uri="{FF2B5EF4-FFF2-40B4-BE49-F238E27FC236}">
-                <a16:creationId xmlns:a16="http://schemas.microsoft.com/office/drawing/2014/main" id="{6E025DF0-3C98-475B-B1EB-680D22AD69C5}"/>
+                <a16:creationId xmlns:a16="http://schemas.microsoft.com/office/drawing/2014/main" id="{E8268C9E-CE48-4C0C-813D-717D129955DF}"/>
               </a:ext>
             </a:extLst>
           </p:cNvPr>
@@ -2655,7 +2658,7 @@
           <p:cNvPr id="5" name="Date Placeholder 4">
             <a:extLst>
               <a:ext uri="{FF2B5EF4-FFF2-40B4-BE49-F238E27FC236}">
-                <a16:creationId xmlns:a16="http://schemas.microsoft.com/office/drawing/2014/main" id="{461A4005-2296-449D-BDED-68AF48AA5491}"/>
+                <a16:creationId xmlns:a16="http://schemas.microsoft.com/office/drawing/2014/main" id="{79A70339-FEA6-48BC-8BFB-C260BAD08B7D}"/>
               </a:ext>
             </a:extLst>
           </p:cNvPr>
@@ -2684,7 +2687,7 @@
           <p:cNvPr id="6" name="Footer Placeholder 5">
             <a:extLst>
               <a:ext uri="{FF2B5EF4-FFF2-40B4-BE49-F238E27FC236}">
-                <a16:creationId xmlns:a16="http://schemas.microsoft.com/office/drawing/2014/main" id="{A902E99D-AE8B-4ECA-B257-2B0BE06E160C}"/>
+                <a16:creationId xmlns:a16="http://schemas.microsoft.com/office/drawing/2014/main" id="{EE4275E7-2A38-43D9-ABAA-1D8A12BA1C85}"/>
               </a:ext>
             </a:extLst>
           </p:cNvPr>
@@ -2709,7 +2712,7 @@
           <p:cNvPr id="7" name="Slide Number Placeholder 6">
             <a:extLst>
               <a:ext uri="{FF2B5EF4-FFF2-40B4-BE49-F238E27FC236}">
-                <a16:creationId xmlns:a16="http://schemas.microsoft.com/office/drawing/2014/main" id="{ADD7BA6C-EF5E-4DF4-8BDF-F99944AC3638}"/>
+                <a16:creationId xmlns:a16="http://schemas.microsoft.com/office/drawing/2014/main" id="{8A575417-7A78-488F-8796-7131F3FDF93A}"/>
               </a:ext>
             </a:extLst>
           </p:cNvPr>
@@ -2736,7 +2739,7 @@
     </p:spTree>
     <p:extLst>
       <p:ext uri="{BB962C8B-B14F-4D97-AF65-F5344CB8AC3E}">
-        <p14:creationId xmlns:p14="http://schemas.microsoft.com/office/powerpoint/2010/main" val="2983175279"/>
+        <p14:creationId xmlns:p14="http://schemas.microsoft.com/office/powerpoint/2010/main" val="1799794062"/>
       </p:ext>
     </p:extLst>
   </p:cSld>
@@ -2773,7 +2776,7 @@
           <p:cNvPr id="2" name="Title Placeholder 1">
             <a:extLst>
               <a:ext uri="{FF2B5EF4-FFF2-40B4-BE49-F238E27FC236}">
-                <a16:creationId xmlns:a16="http://schemas.microsoft.com/office/drawing/2014/main" id="{F40A8CA8-04C8-4930-A13F-4E3A3AB46AE2}"/>
+                <a16:creationId xmlns:a16="http://schemas.microsoft.com/office/drawing/2014/main" id="{58533C09-4DED-45B5-90F0-9651B71FA836}"/>
               </a:ext>
             </a:extLst>
           </p:cNvPr>
@@ -2811,7 +2814,7 @@
           <p:cNvPr id="3" name="Text Placeholder 2">
             <a:extLst>
               <a:ext uri="{FF2B5EF4-FFF2-40B4-BE49-F238E27FC236}">
-                <a16:creationId xmlns:a16="http://schemas.microsoft.com/office/drawing/2014/main" id="{2119476D-2AB0-4C4D-9B44-0BF83935DE14}"/>
+                <a16:creationId xmlns:a16="http://schemas.microsoft.com/office/drawing/2014/main" id="{B1F631B7-D57F-454B-9101-67DB91549D5F}"/>
               </a:ext>
             </a:extLst>
           </p:cNvPr>
@@ -2878,7 +2881,7 @@
           <p:cNvPr id="4" name="Date Placeholder 3">
             <a:extLst>
               <a:ext uri="{FF2B5EF4-FFF2-40B4-BE49-F238E27FC236}">
-                <a16:creationId xmlns:a16="http://schemas.microsoft.com/office/drawing/2014/main" id="{CA323363-5DA2-446E-B282-54EE3068A276}"/>
+                <a16:creationId xmlns:a16="http://schemas.microsoft.com/office/drawing/2014/main" id="{8A2D37BA-E2CC-4A14-AB1A-3B661BA88DF5}"/>
               </a:ext>
             </a:extLst>
           </p:cNvPr>
@@ -2925,7 +2928,7 @@
           <p:cNvPr id="5" name="Footer Placeholder 4">
             <a:extLst>
               <a:ext uri="{FF2B5EF4-FFF2-40B4-BE49-F238E27FC236}">
-                <a16:creationId xmlns:a16="http://schemas.microsoft.com/office/drawing/2014/main" id="{A763E9C2-C8C2-4E5D-835C-A87776BCF190}"/>
+                <a16:creationId xmlns:a16="http://schemas.microsoft.com/office/drawing/2014/main" id="{7894CB8F-A79B-491A-B190-F221E345AC82}"/>
               </a:ext>
             </a:extLst>
           </p:cNvPr>
@@ -2968,7 +2971,7 @@
           <p:cNvPr id="6" name="Slide Number Placeholder 5">
             <a:extLst>
               <a:ext uri="{FF2B5EF4-FFF2-40B4-BE49-F238E27FC236}">
-                <a16:creationId xmlns:a16="http://schemas.microsoft.com/office/drawing/2014/main" id="{3C7432F1-A03C-4717-A927-ED5A58865F6A}"/>
+                <a16:creationId xmlns:a16="http://schemas.microsoft.com/office/drawing/2014/main" id="{3D7A8303-72E0-46AA-8C9C-2CC8FDD07E7B}"/>
               </a:ext>
             </a:extLst>
           </p:cNvPr>
@@ -3013,23 +3016,23 @@
     </p:spTree>
     <p:extLst>
       <p:ext uri="{BB962C8B-B14F-4D97-AF65-F5344CB8AC3E}">
-        <p14:creationId xmlns:p14="http://schemas.microsoft.com/office/powerpoint/2010/main" val="750070073"/>
+        <p14:creationId xmlns:p14="http://schemas.microsoft.com/office/powerpoint/2010/main" val="4250655024"/>
       </p:ext>
     </p:extLst>
   </p:cSld>
   <p:clrMap bg1="lt1" tx1="dk1" bg2="lt2" tx2="dk2" accent1="accent1" accent2="accent2" accent3="accent3" accent4="accent4" accent5="accent5" accent6="accent6" hlink="hlink" folHlink="folHlink"/>
   <p:sldLayoutIdLst>
-    <p:sldLayoutId id="2147483649" r:id="rId1"/>
-    <p:sldLayoutId id="2147483650" r:id="rId2"/>
-    <p:sldLayoutId id="2147483651" r:id="rId3"/>
-    <p:sldLayoutId id="2147483652" r:id="rId4"/>
-    <p:sldLayoutId id="2147483653" r:id="rId5"/>
-    <p:sldLayoutId id="2147483654" r:id="rId6"/>
-    <p:sldLayoutId id="2147483655" r:id="rId7"/>
-    <p:sldLayoutId id="2147483656" r:id="rId8"/>
-    <p:sldLayoutId id="2147483657" r:id="rId9"/>
-    <p:sldLayoutId id="2147483658" r:id="rId10"/>
-    <p:sldLayoutId id="2147483659" r:id="rId11"/>
+    <p:sldLayoutId id="2147483673" r:id="rId1"/>
+    <p:sldLayoutId id="2147483674" r:id="rId2"/>
+    <p:sldLayoutId id="2147483675" r:id="rId3"/>
+    <p:sldLayoutId id="2147483676" r:id="rId4"/>
+    <p:sldLayoutId id="2147483677" r:id="rId5"/>
+    <p:sldLayoutId id="2147483678" r:id="rId6"/>
+    <p:sldLayoutId id="2147483679" r:id="rId7"/>
+    <p:sldLayoutId id="2147483680" r:id="rId8"/>
+    <p:sldLayoutId id="2147483681" r:id="rId9"/>
+    <p:sldLayoutId id="2147483682" r:id="rId10"/>
+    <p:sldLayoutId id="2147483683" r:id="rId11"/>
   </p:sldLayoutIdLst>
   <p:txStyles>
     <p:titleStyle>
@@ -3547,7 +3550,7 @@
                 <a:latin typeface="Times New Roman" panose="02020603050405020304" pitchFamily="18" charset="0"/>
                 <a:cs typeface="Times New Roman" panose="02020603050405020304" pitchFamily="18" charset="0"/>
               </a:rPr>
-              <a:t>Msx</a:t>
+              <a:t>Msc</a:t>
             </a:r>
             <a:r>
               <a:rPr lang="en-US" sz="1600" dirty="0">
@@ -3612,7 +3615,7 @@
         </p:blipFill>
         <p:spPr>
           <a:xfrm>
-            <a:off x="4652785" y="2213092"/>
+            <a:off x="4723807" y="1988598"/>
             <a:ext cx="2886430" cy="2880803"/>
           </a:xfrm>
           <a:prstGeom prst="rect">
@@ -3666,22 +3669,17 @@
             <p:ph type="title"/>
           </p:nvPr>
         </p:nvSpPr>
-        <p:spPr>
-          <a:xfrm>
-            <a:off x="838200" y="365125"/>
-            <a:ext cx="10515600" cy="1325563"/>
-          </a:xfrm>
-        </p:spPr>
-        <p:txBody>
-          <a:bodyPr/>
-          <a:lstStyle/>
-          <a:p>
-            <a:r>
-              <a:rPr lang="en-US" dirty="0" err="1">
+        <p:spPr/>
+        <p:txBody>
+          <a:bodyPr/>
+          <a:lstStyle/>
+          <a:p>
+            <a:r>
+              <a:rPr lang="en-US">
                 <a:latin typeface="Times New Roman" panose="02020603050405020304" pitchFamily="18" charset="0"/>
                 <a:cs typeface="Times New Roman" panose="02020603050405020304" pitchFamily="18" charset="0"/>
               </a:rPr>
-              <a:t>Paisjet</a:t>
+              <a:t>Pajisjet</a:t>
             </a:r>
             <a:r>
               <a:rPr lang="en-US" dirty="0">
@@ -4360,6 +4358,102 @@
           <p:cNvPr id="2" name="Title 1">
             <a:extLst>
               <a:ext uri="{FF2B5EF4-FFF2-40B4-BE49-F238E27FC236}">
+                <a16:creationId xmlns:a16="http://schemas.microsoft.com/office/drawing/2014/main" id="{A8D48BC4-352A-419F-B3B7-DF7DF57C7011}"/>
+              </a:ext>
+            </a:extLst>
+          </p:cNvPr>
+          <p:cNvSpPr>
+            <a:spLocks noGrp="1"/>
+          </p:cNvSpPr>
+          <p:nvPr>
+            <p:ph type="title"/>
+          </p:nvPr>
+        </p:nvSpPr>
+        <p:spPr/>
+        <p:txBody>
+          <a:bodyPr/>
+          <a:lstStyle/>
+          <a:p>
+            <a:r>
+              <a:rPr lang="en-US" dirty="0">
+                <a:latin typeface="Times New Roman" panose="02020603050405020304" pitchFamily="18" charset="0"/>
+                <a:cs typeface="Times New Roman" panose="02020603050405020304" pitchFamily="18" charset="0"/>
+              </a:rPr>
+              <a:t>Switchport Mode</a:t>
+            </a:r>
+          </a:p>
+        </p:txBody>
+      </p:sp>
+      <p:pic>
+        <p:nvPicPr>
+          <p:cNvPr id="5" name="Content Placeholder 4">
+            <a:extLst>
+              <a:ext uri="{FF2B5EF4-FFF2-40B4-BE49-F238E27FC236}">
+                <a16:creationId xmlns:a16="http://schemas.microsoft.com/office/drawing/2014/main" id="{540A4117-F8A8-4ADE-8F8E-82F8390614DE}"/>
+              </a:ext>
+            </a:extLst>
+          </p:cNvPr>
+          <p:cNvPicPr>
+            <a:picLocks noGrp="1" noChangeAspect="1"/>
+          </p:cNvPicPr>
+          <p:nvPr>
+            <p:ph idx="1"/>
+          </p:nvPr>
+        </p:nvPicPr>
+        <p:blipFill>
+          <a:blip r:embed="rId2">
+            <a:extLst>
+              <a:ext uri="{28A0092B-C50C-407E-A947-70E740481C1C}">
+                <a14:useLocalDpi xmlns:a14="http://schemas.microsoft.com/office/drawing/2010/main" val="0"/>
+              </a:ext>
+            </a:extLst>
+          </a:blip>
+          <a:stretch>
+            <a:fillRect/>
+          </a:stretch>
+        </p:blipFill>
+        <p:spPr>
+          <a:xfrm>
+            <a:off x="2615558" y="2545897"/>
+            <a:ext cx="7148793" cy="1999470"/>
+          </a:xfrm>
+        </p:spPr>
+      </p:pic>
+    </p:spTree>
+    <p:extLst>
+      <p:ext uri="{BB962C8B-B14F-4D97-AF65-F5344CB8AC3E}">
+        <p14:creationId xmlns:p14="http://schemas.microsoft.com/office/powerpoint/2010/main" val="3309680088"/>
+      </p:ext>
+    </p:extLst>
+  </p:cSld>
+  <p:clrMapOvr>
+    <a:masterClrMapping/>
+  </p:clrMapOvr>
+</p:sld>
+</file>
+
+<file path=ppt/slides/slide6.xml><?xml version="1.0" encoding="utf-8"?>
+<p:sld xmlns:a="http://schemas.openxmlformats.org/drawingml/2006/main" xmlns:r="http://schemas.openxmlformats.org/officeDocument/2006/relationships" xmlns:p="http://schemas.openxmlformats.org/presentationml/2006/main">
+  <p:cSld>
+    <p:spTree>
+      <p:nvGrpSpPr>
+        <p:cNvPr id="1" name=""/>
+        <p:cNvGrpSpPr/>
+        <p:nvPr/>
+      </p:nvGrpSpPr>
+      <p:grpSpPr>
+        <a:xfrm>
+          <a:off x="0" y="0"/>
+          <a:ext cx="0" cy="0"/>
+          <a:chOff x="0" y="0"/>
+          <a:chExt cx="0" cy="0"/>
+        </a:xfrm>
+      </p:grpSpPr>
+      <p:sp>
+        <p:nvSpPr>
+          <p:cNvPr id="2" name="Title 1">
+            <a:extLst>
+              <a:ext uri="{FF2B5EF4-FFF2-40B4-BE49-F238E27FC236}">
                 <a16:creationId xmlns:a16="http://schemas.microsoft.com/office/drawing/2014/main" id="{9F4466CD-0E82-4E51-8254-1795749EE285}"/>
               </a:ext>
             </a:extLst>
@@ -4452,7 +4546,7 @@
 </p:sld>
 </file>
 
-<file path=ppt/slides/slide6.xml><?xml version="1.0" encoding="utf-8"?>
+<file path=ppt/slides/slide7.xml><?xml version="1.0" encoding="utf-8"?>
 <p:sld xmlns:a="http://schemas.openxmlformats.org/drawingml/2006/main" xmlns:r="http://schemas.openxmlformats.org/officeDocument/2006/relationships" xmlns:p="http://schemas.openxmlformats.org/presentationml/2006/main">
   <p:cSld>
     <p:spTree>
@@ -4632,6 +4726,298 @@
     <p:extLst>
       <p:ext uri="{BB962C8B-B14F-4D97-AF65-F5344CB8AC3E}">
         <p14:creationId xmlns:p14="http://schemas.microsoft.com/office/powerpoint/2010/main" val="2608109747"/>
+      </p:ext>
+    </p:extLst>
+  </p:cSld>
+  <p:clrMapOvr>
+    <a:masterClrMapping/>
+  </p:clrMapOvr>
+</p:sld>
+</file>
+
+<file path=ppt/slides/slide8.xml><?xml version="1.0" encoding="utf-8"?>
+<p:sld xmlns:a="http://schemas.openxmlformats.org/drawingml/2006/main" xmlns:r="http://schemas.openxmlformats.org/officeDocument/2006/relationships" xmlns:p="http://schemas.openxmlformats.org/presentationml/2006/main">
+  <p:cSld>
+    <p:spTree>
+      <p:nvGrpSpPr>
+        <p:cNvPr id="1" name=""/>
+        <p:cNvGrpSpPr/>
+        <p:nvPr/>
+      </p:nvGrpSpPr>
+      <p:grpSpPr>
+        <a:xfrm>
+          <a:off x="0" y="0"/>
+          <a:ext cx="0" cy="0"/>
+          <a:chOff x="0" y="0"/>
+          <a:chExt cx="0" cy="0"/>
+        </a:xfrm>
+      </p:grpSpPr>
+      <p:sp>
+        <p:nvSpPr>
+          <p:cNvPr id="2" name="Title 1">
+            <a:extLst>
+              <a:ext uri="{FF2B5EF4-FFF2-40B4-BE49-F238E27FC236}">
+                <a16:creationId xmlns:a16="http://schemas.microsoft.com/office/drawing/2014/main" id="{75AD0917-6AAB-4390-970E-23DB3E1DD453}"/>
+              </a:ext>
+            </a:extLst>
+          </p:cNvPr>
+          <p:cNvSpPr>
+            <a:spLocks noGrp="1"/>
+          </p:cNvSpPr>
+          <p:nvPr>
+            <p:ph type="title"/>
+          </p:nvPr>
+        </p:nvSpPr>
+        <p:spPr/>
+        <p:txBody>
+          <a:bodyPr/>
+          <a:lstStyle/>
+          <a:p>
+            <a:r>
+              <a:rPr lang="en-US" dirty="0" err="1">
+                <a:latin typeface="Times New Roman" panose="02020603050405020304" pitchFamily="18" charset="0"/>
+                <a:cs typeface="Times New Roman" panose="02020603050405020304" pitchFamily="18" charset="0"/>
+              </a:rPr>
+              <a:t>Rezultate</a:t>
+            </a:r>
+            <a:endParaRPr lang="en-US" dirty="0">
+              <a:latin typeface="Times New Roman" panose="02020603050405020304" pitchFamily="18" charset="0"/>
+              <a:cs typeface="Times New Roman" panose="02020603050405020304" pitchFamily="18" charset="0"/>
+            </a:endParaRPr>
+          </a:p>
+        </p:txBody>
+      </p:sp>
+      <p:pic>
+        <p:nvPicPr>
+          <p:cNvPr id="4" name="Picture 3">
+            <a:extLst>
+              <a:ext uri="{FF2B5EF4-FFF2-40B4-BE49-F238E27FC236}">
+                <a16:creationId xmlns:a16="http://schemas.microsoft.com/office/drawing/2014/main" id="{BBD3151E-553F-4490-A2C4-EEBD82AFBF7A}"/>
+              </a:ext>
+            </a:extLst>
+          </p:cNvPr>
+          <p:cNvPicPr/>
+          <p:nvPr/>
+        </p:nvPicPr>
+        <p:blipFill>
+          <a:blip r:embed="rId2">
+            <a:extLst>
+              <a:ext uri="{28A0092B-C50C-407E-A947-70E740481C1C}">
+                <a14:useLocalDpi xmlns:a14="http://schemas.microsoft.com/office/drawing/2010/main" val="0"/>
+              </a:ext>
+            </a:extLst>
+          </a:blip>
+          <a:srcRect/>
+          <a:stretch>
+            <a:fillRect/>
+          </a:stretch>
+        </p:blipFill>
+        <p:spPr bwMode="auto">
+          <a:xfrm>
+            <a:off x="718490" y="2861911"/>
+            <a:ext cx="8203568" cy="3630964"/>
+          </a:xfrm>
+          <a:prstGeom prst="rect">
+            <a:avLst/>
+          </a:prstGeom>
+          <a:noFill/>
+          <a:ln>
+            <a:noFill/>
+          </a:ln>
+        </p:spPr>
+      </p:pic>
+      <p:sp>
+        <p:nvSpPr>
+          <p:cNvPr id="5" name="TextBox 4">
+            <a:extLst>
+              <a:ext uri="{FF2B5EF4-FFF2-40B4-BE49-F238E27FC236}">
+                <a16:creationId xmlns:a16="http://schemas.microsoft.com/office/drawing/2014/main" id="{7B656448-89A6-4C4E-A7AE-617B8777E1E0}"/>
+              </a:ext>
+            </a:extLst>
+          </p:cNvPr>
+          <p:cNvSpPr txBox="1"/>
+          <p:nvPr/>
+        </p:nvSpPr>
+        <p:spPr>
+          <a:xfrm>
+            <a:off x="648070" y="1970843"/>
+            <a:ext cx="8042523" cy="369332"/>
+          </a:xfrm>
+          <a:prstGeom prst="rect">
+            <a:avLst/>
+          </a:prstGeom>
+          <a:noFill/>
+        </p:spPr>
+        <p:txBody>
+          <a:bodyPr wrap="none" rtlCol="0">
+            <a:spAutoFit/>
+          </a:bodyPr>
+          <a:lstStyle/>
+          <a:p>
+            <a:r>
+              <a:rPr lang="sq-AL" dirty="0">
+                <a:latin typeface="Times New Roman" panose="02020603050405020304" pitchFamily="18" charset="0"/>
+                <a:cs typeface="Times New Roman" panose="02020603050405020304" pitchFamily="18" charset="0"/>
+              </a:rPr>
+              <a:t>Testimi i ping mes 2 PC që gjenden në të njejtën router por në switch-a të ndryshëm</a:t>
+            </a:r>
+            <a:endParaRPr lang="en-US" dirty="0">
+              <a:latin typeface="Times New Roman" panose="02020603050405020304" pitchFamily="18" charset="0"/>
+              <a:cs typeface="Times New Roman" panose="02020603050405020304" pitchFamily="18" charset="0"/>
+            </a:endParaRPr>
+          </a:p>
+        </p:txBody>
+      </p:sp>
+    </p:spTree>
+    <p:extLst>
+      <p:ext uri="{BB962C8B-B14F-4D97-AF65-F5344CB8AC3E}">
+        <p14:creationId xmlns:p14="http://schemas.microsoft.com/office/powerpoint/2010/main" val="3332496343"/>
+      </p:ext>
+    </p:extLst>
+  </p:cSld>
+  <p:clrMapOvr>
+    <a:masterClrMapping/>
+  </p:clrMapOvr>
+</p:sld>
+</file>
+
+<file path=ppt/slides/slide9.xml><?xml version="1.0" encoding="utf-8"?>
+<p:sld xmlns:a="http://schemas.openxmlformats.org/drawingml/2006/main" xmlns:r="http://schemas.openxmlformats.org/officeDocument/2006/relationships" xmlns:p="http://schemas.openxmlformats.org/presentationml/2006/main">
+  <p:cSld>
+    <p:spTree>
+      <p:nvGrpSpPr>
+        <p:cNvPr id="1" name=""/>
+        <p:cNvGrpSpPr/>
+        <p:nvPr/>
+      </p:nvGrpSpPr>
+      <p:grpSpPr>
+        <a:xfrm>
+          <a:off x="0" y="0"/>
+          <a:ext cx="0" cy="0"/>
+          <a:chOff x="0" y="0"/>
+          <a:chExt cx="0" cy="0"/>
+        </a:xfrm>
+      </p:grpSpPr>
+      <p:sp>
+        <p:nvSpPr>
+          <p:cNvPr id="2" name="Title 1">
+            <a:extLst>
+              <a:ext uri="{FF2B5EF4-FFF2-40B4-BE49-F238E27FC236}">
+                <a16:creationId xmlns:a16="http://schemas.microsoft.com/office/drawing/2014/main" id="{D3663AB7-B478-460F-BFFD-2B0C8B13C4DF}"/>
+              </a:ext>
+            </a:extLst>
+          </p:cNvPr>
+          <p:cNvSpPr>
+            <a:spLocks noGrp="1"/>
+          </p:cNvSpPr>
+          <p:nvPr>
+            <p:ph type="title"/>
+          </p:nvPr>
+        </p:nvSpPr>
+        <p:spPr/>
+        <p:txBody>
+          <a:bodyPr/>
+          <a:lstStyle/>
+          <a:p>
+            <a:r>
+              <a:rPr lang="en-US" dirty="0" err="1">
+                <a:latin typeface="Times New Roman" panose="02020603050405020304" pitchFamily="18" charset="0"/>
+                <a:cs typeface="Times New Roman" panose="02020603050405020304" pitchFamily="18" charset="0"/>
+              </a:rPr>
+              <a:t>Rezultate</a:t>
+            </a:r>
+            <a:endParaRPr lang="en-US" dirty="0">
+              <a:latin typeface="Times New Roman" panose="02020603050405020304" pitchFamily="18" charset="0"/>
+              <a:cs typeface="Times New Roman" panose="02020603050405020304" pitchFamily="18" charset="0"/>
+            </a:endParaRPr>
+          </a:p>
+        </p:txBody>
+      </p:sp>
+      <p:pic>
+        <p:nvPicPr>
+          <p:cNvPr id="4" name="Picture 3">
+            <a:extLst>
+              <a:ext uri="{FF2B5EF4-FFF2-40B4-BE49-F238E27FC236}">
+                <a16:creationId xmlns:a16="http://schemas.microsoft.com/office/drawing/2014/main" id="{F1759340-BF5D-4857-9892-908DBB80CE65}"/>
+              </a:ext>
+            </a:extLst>
+          </p:cNvPr>
+          <p:cNvPicPr/>
+          <p:nvPr/>
+        </p:nvPicPr>
+        <p:blipFill>
+          <a:blip r:embed="rId2">
+            <a:extLst>
+              <a:ext uri="{28A0092B-C50C-407E-A947-70E740481C1C}">
+                <a14:useLocalDpi xmlns:a14="http://schemas.microsoft.com/office/drawing/2010/main" val="0"/>
+              </a:ext>
+            </a:extLst>
+          </a:blip>
+          <a:srcRect/>
+          <a:stretch>
+            <a:fillRect/>
+          </a:stretch>
+        </p:blipFill>
+        <p:spPr bwMode="auto">
+          <a:xfrm>
+            <a:off x="838200" y="2732056"/>
+            <a:ext cx="8172635" cy="3760819"/>
+          </a:xfrm>
+          <a:prstGeom prst="rect">
+            <a:avLst/>
+          </a:prstGeom>
+          <a:noFill/>
+          <a:ln>
+            <a:noFill/>
+          </a:ln>
+        </p:spPr>
+      </p:pic>
+      <p:sp>
+        <p:nvSpPr>
+          <p:cNvPr id="5" name="TextBox 4">
+            <a:extLst>
+              <a:ext uri="{FF2B5EF4-FFF2-40B4-BE49-F238E27FC236}">
+                <a16:creationId xmlns:a16="http://schemas.microsoft.com/office/drawing/2014/main" id="{1C81C7B0-C0F8-4D4A-BA01-3DF9C28DCB1B}"/>
+              </a:ext>
+            </a:extLst>
+          </p:cNvPr>
+          <p:cNvSpPr txBox="1"/>
+          <p:nvPr/>
+        </p:nvSpPr>
+        <p:spPr>
+          <a:xfrm>
+            <a:off x="838200" y="1690688"/>
+            <a:ext cx="9308977" cy="369332"/>
+          </a:xfrm>
+          <a:prstGeom prst="rect">
+            <a:avLst/>
+          </a:prstGeom>
+          <a:noFill/>
+        </p:spPr>
+        <p:txBody>
+          <a:bodyPr wrap="square" rtlCol="0">
+            <a:spAutoFit/>
+          </a:bodyPr>
+          <a:lstStyle/>
+          <a:p>
+            <a:r>
+              <a:rPr lang="sq-AL" dirty="0">
+                <a:latin typeface="Times New Roman" panose="02020603050405020304" pitchFamily="18" charset="0"/>
+                <a:cs typeface="Times New Roman" panose="02020603050405020304" pitchFamily="18" charset="0"/>
+              </a:rPr>
+              <a:t>Testimi i  ping mes 2 PC që gjenden në Routera të ndryshem</a:t>
+            </a:r>
+            <a:endParaRPr lang="en-US" dirty="0">
+              <a:latin typeface="Times New Roman" panose="02020603050405020304" pitchFamily="18" charset="0"/>
+              <a:cs typeface="Times New Roman" panose="02020603050405020304" pitchFamily="18" charset="0"/>
+            </a:endParaRPr>
+          </a:p>
+        </p:txBody>
+      </p:sp>
+    </p:spTree>
+    <p:extLst>
+      <p:ext uri="{BB962C8B-B14F-4D97-AF65-F5344CB8AC3E}">
+        <p14:creationId xmlns:p14="http://schemas.microsoft.com/office/powerpoint/2010/main" val="1232419432"/>
       </p:ext>
     </p:extLst>
   </p:cSld>
